--- a/Phone Marketing Decision Model for Retail Banking.pptx
+++ b/Phone Marketing Decision Model for Retail Banking.pptx
@@ -4,6 +4,9 @@
   <p:sldMasterIdLst>
     <p:sldMasterId id="2147483648" r:id="rId1"/>
   </p:sldMasterIdLst>
+  <p:notesMasterIdLst>
+    <p:notesMasterId r:id="rId15"/>
+  </p:notesMasterIdLst>
   <p:sldIdLst>
     <p:sldId id="256" r:id="rId2"/>
     <p:sldId id="257" r:id="rId3"/>
@@ -16,30 +19,31 @@
     <p:sldId id="266" r:id="rId10"/>
     <p:sldId id="264" r:id="rId11"/>
     <p:sldId id="267" r:id="rId12"/>
-    <p:sldId id="265" r:id="rId13"/>
+    <p:sldId id="268" r:id="rId13"/>
+    <p:sldId id="265" r:id="rId14"/>
   </p:sldIdLst>
   <p:sldSz cx="18288000" cy="10287000"/>
   <p:notesSz cx="6858000" cy="9144000"/>
   <p:embeddedFontLst>
     <p:embeddedFont>
       <p:font typeface="Inter Extra-Light" panose="020B0604020202020204" charset="0"/>
-      <p:regular r:id="rId14"/>
+      <p:regular r:id="rId16"/>
     </p:embeddedFont>
     <p:embeddedFont>
       <p:font typeface="Poppins" panose="00000500000000000000" pitchFamily="2" charset="0"/>
-      <p:regular r:id="rId15"/>
-      <p:bold r:id="rId16"/>
-      <p:italic r:id="rId17"/>
-      <p:boldItalic r:id="rId18"/>
+      <p:regular r:id="rId17"/>
+      <p:bold r:id="rId18"/>
+      <p:italic r:id="rId19"/>
+      <p:boldItalic r:id="rId20"/>
     </p:embeddedFont>
     <p:embeddedFont>
       <p:font typeface="Poppins Light" panose="00000400000000000000" pitchFamily="2" charset="0"/>
-      <p:regular r:id="rId19"/>
-      <p:italic r:id="rId20"/>
+      <p:regular r:id="rId21"/>
+      <p:italic r:id="rId22"/>
     </p:embeddedFont>
     <p:embeddedFont>
       <p:font typeface="Poppins Medium" panose="00000600000000000000" pitchFamily="2" charset="0"/>
-      <p:regular r:id="rId21"/>
+      <p:regular r:id="rId23"/>
     </p:embeddedFont>
   </p:embeddedFontLst>
   <p:defaultTextStyle>
@@ -156,6 +160,439 @@
 </p:presentation>
 </file>
 
+<file path=ppt/notesMasters/notesMaster1.xml><?xml version="1.0" encoding="utf-8"?>
+<p:notesMaster xmlns:a="http://schemas.openxmlformats.org/drawingml/2006/main" xmlns:r="http://schemas.openxmlformats.org/officeDocument/2006/relationships" xmlns:p="http://schemas.openxmlformats.org/presentationml/2006/main">
+  <p:cSld>
+    <p:bg>
+      <p:bgRef idx="1001">
+        <a:schemeClr val="bg1"/>
+      </p:bgRef>
+    </p:bg>
+    <p:spTree>
+      <p:nvGrpSpPr>
+        <p:cNvPr id="1" name=""/>
+        <p:cNvGrpSpPr/>
+        <p:nvPr/>
+      </p:nvGrpSpPr>
+      <p:grpSpPr>
+        <a:xfrm>
+          <a:off x="0" y="0"/>
+          <a:ext cx="0" cy="0"/>
+          <a:chOff x="0" y="0"/>
+          <a:chExt cx="0" cy="0"/>
+        </a:xfrm>
+      </p:grpSpPr>
+      <p:sp>
+        <p:nvSpPr>
+          <p:cNvPr id="2" name="Header Placeholder 1"/>
+          <p:cNvSpPr>
+            <a:spLocks noGrp="1"/>
+          </p:cNvSpPr>
+          <p:nvPr>
+            <p:ph type="hdr" sz="quarter"/>
+          </p:nvPr>
+        </p:nvSpPr>
+        <p:spPr>
+          <a:xfrm>
+            <a:off x="0" y="0"/>
+            <a:ext cx="2971800" cy="458788"/>
+          </a:xfrm>
+          <a:prstGeom prst="rect">
+            <a:avLst/>
+          </a:prstGeom>
+        </p:spPr>
+        <p:txBody>
+          <a:bodyPr vert="horz" lIns="91440" tIns="45720" rIns="91440" bIns="45720" rtlCol="0"/>
+          <a:lstStyle>
+            <a:lvl1pPr algn="l">
+              <a:defRPr sz="1200"/>
+            </a:lvl1pPr>
+          </a:lstStyle>
+          <a:p>
+            <a:endParaRPr lang="en-US"/>
+          </a:p>
+        </p:txBody>
+      </p:sp>
+      <p:sp>
+        <p:nvSpPr>
+          <p:cNvPr id="3" name="Date Placeholder 2"/>
+          <p:cNvSpPr>
+            <a:spLocks noGrp="1"/>
+          </p:cNvSpPr>
+          <p:nvPr>
+            <p:ph type="dt" idx="1"/>
+          </p:nvPr>
+        </p:nvSpPr>
+        <p:spPr>
+          <a:xfrm>
+            <a:off x="3884613" y="0"/>
+            <a:ext cx="2971800" cy="458788"/>
+          </a:xfrm>
+          <a:prstGeom prst="rect">
+            <a:avLst/>
+          </a:prstGeom>
+        </p:spPr>
+        <p:txBody>
+          <a:bodyPr vert="horz" lIns="91440" tIns="45720" rIns="91440" bIns="45720" rtlCol="0"/>
+          <a:lstStyle>
+            <a:lvl1pPr algn="r">
+              <a:defRPr sz="1200"/>
+            </a:lvl1pPr>
+          </a:lstStyle>
+          <a:p>
+            <a:fld id="{DD23B71B-83AC-4D43-82A8-E766D2255206}" type="datetimeFigureOut">
+              <a:rPr lang="en-US" smtClean="0"/>
+              <a:t>2/3/2025</a:t>
+            </a:fld>
+            <a:endParaRPr lang="en-US"/>
+          </a:p>
+        </p:txBody>
+      </p:sp>
+      <p:sp>
+        <p:nvSpPr>
+          <p:cNvPr id="4" name="Slide Image Placeholder 3"/>
+          <p:cNvSpPr>
+            <a:spLocks noGrp="1" noRot="1" noChangeAspect="1"/>
+          </p:cNvSpPr>
+          <p:nvPr>
+            <p:ph type="sldImg" idx="2"/>
+          </p:nvPr>
+        </p:nvSpPr>
+        <p:spPr>
+          <a:xfrm>
+            <a:off x="685800" y="1143000"/>
+            <a:ext cx="5486400" cy="3086100"/>
+          </a:xfrm>
+          <a:prstGeom prst="rect">
+            <a:avLst/>
+          </a:prstGeom>
+          <a:noFill/>
+          <a:ln w="12700">
+            <a:solidFill>
+              <a:prstClr val="black"/>
+            </a:solidFill>
+          </a:ln>
+        </p:spPr>
+        <p:txBody>
+          <a:bodyPr vert="horz" lIns="91440" tIns="45720" rIns="91440" bIns="45720" rtlCol="0" anchor="ctr"/>
+          <a:lstStyle/>
+          <a:p>
+            <a:endParaRPr lang="en-US"/>
+          </a:p>
+        </p:txBody>
+      </p:sp>
+      <p:sp>
+        <p:nvSpPr>
+          <p:cNvPr id="5" name="Notes Placeholder 4"/>
+          <p:cNvSpPr>
+            <a:spLocks noGrp="1"/>
+          </p:cNvSpPr>
+          <p:nvPr>
+            <p:ph type="body" sz="quarter" idx="3"/>
+          </p:nvPr>
+        </p:nvSpPr>
+        <p:spPr>
+          <a:xfrm>
+            <a:off x="685800" y="4400550"/>
+            <a:ext cx="5486400" cy="3600450"/>
+          </a:xfrm>
+          <a:prstGeom prst="rect">
+            <a:avLst/>
+          </a:prstGeom>
+        </p:spPr>
+        <p:txBody>
+          <a:bodyPr vert="horz" lIns="91440" tIns="45720" rIns="91440" bIns="45720" rtlCol="0"/>
+          <a:lstStyle/>
+          <a:p>
+            <a:pPr lvl="0"/>
+            <a:r>
+              <a:rPr lang="en-US"/>
+              <a:t>Click to edit Master text styles</a:t>
+            </a:r>
+          </a:p>
+          <a:p>
+            <a:pPr lvl="1"/>
+            <a:r>
+              <a:rPr lang="en-US"/>
+              <a:t>Second level</a:t>
+            </a:r>
+          </a:p>
+          <a:p>
+            <a:pPr lvl="2"/>
+            <a:r>
+              <a:rPr lang="en-US"/>
+              <a:t>Third level</a:t>
+            </a:r>
+          </a:p>
+          <a:p>
+            <a:pPr lvl="3"/>
+            <a:r>
+              <a:rPr lang="en-US"/>
+              <a:t>Fourth level</a:t>
+            </a:r>
+          </a:p>
+          <a:p>
+            <a:pPr lvl="4"/>
+            <a:r>
+              <a:rPr lang="en-US"/>
+              <a:t>Fifth level</a:t>
+            </a:r>
+          </a:p>
+        </p:txBody>
+      </p:sp>
+      <p:sp>
+        <p:nvSpPr>
+          <p:cNvPr id="6" name="Footer Placeholder 5"/>
+          <p:cNvSpPr>
+            <a:spLocks noGrp="1"/>
+          </p:cNvSpPr>
+          <p:nvPr>
+            <p:ph type="ftr" sz="quarter" idx="4"/>
+          </p:nvPr>
+        </p:nvSpPr>
+        <p:spPr>
+          <a:xfrm>
+            <a:off x="0" y="8685213"/>
+            <a:ext cx="2971800" cy="458787"/>
+          </a:xfrm>
+          <a:prstGeom prst="rect">
+            <a:avLst/>
+          </a:prstGeom>
+        </p:spPr>
+        <p:txBody>
+          <a:bodyPr vert="horz" lIns="91440" tIns="45720" rIns="91440" bIns="45720" rtlCol="0" anchor="b"/>
+          <a:lstStyle>
+            <a:lvl1pPr algn="l">
+              <a:defRPr sz="1200"/>
+            </a:lvl1pPr>
+          </a:lstStyle>
+          <a:p>
+            <a:endParaRPr lang="en-US"/>
+          </a:p>
+        </p:txBody>
+      </p:sp>
+      <p:sp>
+        <p:nvSpPr>
+          <p:cNvPr id="7" name="Slide Number Placeholder 6"/>
+          <p:cNvSpPr>
+            <a:spLocks noGrp="1"/>
+          </p:cNvSpPr>
+          <p:nvPr>
+            <p:ph type="sldNum" sz="quarter" idx="5"/>
+          </p:nvPr>
+        </p:nvSpPr>
+        <p:spPr>
+          <a:xfrm>
+            <a:off x="3884613" y="8685213"/>
+            <a:ext cx="2971800" cy="458787"/>
+          </a:xfrm>
+          <a:prstGeom prst="rect">
+            <a:avLst/>
+          </a:prstGeom>
+        </p:spPr>
+        <p:txBody>
+          <a:bodyPr vert="horz" lIns="91440" tIns="45720" rIns="91440" bIns="45720" rtlCol="0" anchor="b"/>
+          <a:lstStyle>
+            <a:lvl1pPr algn="r">
+              <a:defRPr sz="1200"/>
+            </a:lvl1pPr>
+          </a:lstStyle>
+          <a:p>
+            <a:fld id="{EFA41A0E-3C7A-4CE0-829D-083887B7EDC6}" type="slidenum">
+              <a:rPr lang="en-US" smtClean="0"/>
+              <a:t>‹#›</a:t>
+            </a:fld>
+            <a:endParaRPr lang="en-US"/>
+          </a:p>
+        </p:txBody>
+      </p:sp>
+    </p:spTree>
+    <p:extLst>
+      <p:ext uri="{BB962C8B-B14F-4D97-AF65-F5344CB8AC3E}">
+        <p14:creationId xmlns:p14="http://schemas.microsoft.com/office/powerpoint/2010/main" val="1414743744"/>
+      </p:ext>
+    </p:extLst>
+  </p:cSld>
+  <p:clrMap bg1="lt1" tx1="dk1" bg2="lt2" tx2="dk2" accent1="accent1" accent2="accent2" accent3="accent3" accent4="accent4" accent5="accent5" accent6="accent6" hlink="hlink" folHlink="folHlink"/>
+  <p:notesStyle>
+    <a:lvl1pPr marL="0" algn="l" defTabSz="914400" rtl="0" eaLnBrk="1" latinLnBrk="0" hangingPunct="1">
+      <a:defRPr sz="1200" kern="1200">
+        <a:solidFill>
+          <a:schemeClr val="tx1"/>
+        </a:solidFill>
+        <a:latin typeface="+mn-lt"/>
+        <a:ea typeface="+mn-ea"/>
+        <a:cs typeface="+mn-cs"/>
+      </a:defRPr>
+    </a:lvl1pPr>
+    <a:lvl2pPr marL="457200" algn="l" defTabSz="914400" rtl="0" eaLnBrk="1" latinLnBrk="0" hangingPunct="1">
+      <a:defRPr sz="1200" kern="1200">
+        <a:solidFill>
+          <a:schemeClr val="tx1"/>
+        </a:solidFill>
+        <a:latin typeface="+mn-lt"/>
+        <a:ea typeface="+mn-ea"/>
+        <a:cs typeface="+mn-cs"/>
+      </a:defRPr>
+    </a:lvl2pPr>
+    <a:lvl3pPr marL="914400" algn="l" defTabSz="914400" rtl="0" eaLnBrk="1" latinLnBrk="0" hangingPunct="1">
+      <a:defRPr sz="1200" kern="1200">
+        <a:solidFill>
+          <a:schemeClr val="tx1"/>
+        </a:solidFill>
+        <a:latin typeface="+mn-lt"/>
+        <a:ea typeface="+mn-ea"/>
+        <a:cs typeface="+mn-cs"/>
+      </a:defRPr>
+    </a:lvl3pPr>
+    <a:lvl4pPr marL="1371600" algn="l" defTabSz="914400" rtl="0" eaLnBrk="1" latinLnBrk="0" hangingPunct="1">
+      <a:defRPr sz="1200" kern="1200">
+        <a:solidFill>
+          <a:schemeClr val="tx1"/>
+        </a:solidFill>
+        <a:latin typeface="+mn-lt"/>
+        <a:ea typeface="+mn-ea"/>
+        <a:cs typeface="+mn-cs"/>
+      </a:defRPr>
+    </a:lvl4pPr>
+    <a:lvl5pPr marL="1828800" algn="l" defTabSz="914400" rtl="0" eaLnBrk="1" latinLnBrk="0" hangingPunct="1">
+      <a:defRPr sz="1200" kern="1200">
+        <a:solidFill>
+          <a:schemeClr val="tx1"/>
+        </a:solidFill>
+        <a:latin typeface="+mn-lt"/>
+        <a:ea typeface="+mn-ea"/>
+        <a:cs typeface="+mn-cs"/>
+      </a:defRPr>
+    </a:lvl5pPr>
+    <a:lvl6pPr marL="2286000" algn="l" defTabSz="914400" rtl="0" eaLnBrk="1" latinLnBrk="0" hangingPunct="1">
+      <a:defRPr sz="1200" kern="1200">
+        <a:solidFill>
+          <a:schemeClr val="tx1"/>
+        </a:solidFill>
+        <a:latin typeface="+mn-lt"/>
+        <a:ea typeface="+mn-ea"/>
+        <a:cs typeface="+mn-cs"/>
+      </a:defRPr>
+    </a:lvl6pPr>
+    <a:lvl7pPr marL="2743200" algn="l" defTabSz="914400" rtl="0" eaLnBrk="1" latinLnBrk="0" hangingPunct="1">
+      <a:defRPr sz="1200" kern="1200">
+        <a:solidFill>
+          <a:schemeClr val="tx1"/>
+        </a:solidFill>
+        <a:latin typeface="+mn-lt"/>
+        <a:ea typeface="+mn-ea"/>
+        <a:cs typeface="+mn-cs"/>
+      </a:defRPr>
+    </a:lvl7pPr>
+    <a:lvl8pPr marL="3200400" algn="l" defTabSz="914400" rtl="0" eaLnBrk="1" latinLnBrk="0" hangingPunct="1">
+      <a:defRPr sz="1200" kern="1200">
+        <a:solidFill>
+          <a:schemeClr val="tx1"/>
+        </a:solidFill>
+        <a:latin typeface="+mn-lt"/>
+        <a:ea typeface="+mn-ea"/>
+        <a:cs typeface="+mn-cs"/>
+      </a:defRPr>
+    </a:lvl8pPr>
+    <a:lvl9pPr marL="3657600" algn="l" defTabSz="914400" rtl="0" eaLnBrk="1" latinLnBrk="0" hangingPunct="1">
+      <a:defRPr sz="1200" kern="1200">
+        <a:solidFill>
+          <a:schemeClr val="tx1"/>
+        </a:solidFill>
+        <a:latin typeface="+mn-lt"/>
+        <a:ea typeface="+mn-ea"/>
+        <a:cs typeface="+mn-cs"/>
+      </a:defRPr>
+    </a:lvl9pPr>
+  </p:notesStyle>
+</p:notesMaster>
+</file>
+
+<file path=ppt/notesSlides/notesSlide1.xml><?xml version="1.0" encoding="utf-8"?>
+<p:notes xmlns:a="http://schemas.openxmlformats.org/drawingml/2006/main" xmlns:r="http://schemas.openxmlformats.org/officeDocument/2006/relationships" xmlns:p="http://schemas.openxmlformats.org/presentationml/2006/main">
+  <p:cSld>
+    <p:spTree>
+      <p:nvGrpSpPr>
+        <p:cNvPr id="1" name=""/>
+        <p:cNvGrpSpPr/>
+        <p:nvPr/>
+      </p:nvGrpSpPr>
+      <p:grpSpPr>
+        <a:xfrm>
+          <a:off x="0" y="0"/>
+          <a:ext cx="0" cy="0"/>
+          <a:chOff x="0" y="0"/>
+          <a:chExt cx="0" cy="0"/>
+        </a:xfrm>
+      </p:grpSpPr>
+      <p:sp>
+        <p:nvSpPr>
+          <p:cNvPr id="2" name="Slide Image Placeholder 1"/>
+          <p:cNvSpPr>
+            <a:spLocks noGrp="1" noRot="1" noChangeAspect="1"/>
+          </p:cNvSpPr>
+          <p:nvPr>
+            <p:ph type="sldImg"/>
+          </p:nvPr>
+        </p:nvSpPr>
+        <p:spPr/>
+      </p:sp>
+      <p:sp>
+        <p:nvSpPr>
+          <p:cNvPr id="3" name="Notes Placeholder 2"/>
+          <p:cNvSpPr>
+            <a:spLocks noGrp="1"/>
+          </p:cNvSpPr>
+          <p:nvPr>
+            <p:ph type="body" idx="1"/>
+          </p:nvPr>
+        </p:nvSpPr>
+        <p:spPr/>
+        <p:txBody>
+          <a:bodyPr/>
+          <a:lstStyle/>
+          <a:p>
+            <a:endParaRPr lang="en-US" dirty="0"/>
+          </a:p>
+        </p:txBody>
+      </p:sp>
+      <p:sp>
+        <p:nvSpPr>
+          <p:cNvPr id="4" name="Slide Number Placeholder 3"/>
+          <p:cNvSpPr>
+            <a:spLocks noGrp="1"/>
+          </p:cNvSpPr>
+          <p:nvPr>
+            <p:ph type="sldNum" sz="quarter" idx="5"/>
+          </p:nvPr>
+        </p:nvSpPr>
+        <p:spPr/>
+        <p:txBody>
+          <a:bodyPr/>
+          <a:lstStyle/>
+          <a:p>
+            <a:fld id="{EFA41A0E-3C7A-4CE0-829D-083887B7EDC6}" type="slidenum">
+              <a:rPr lang="en-US" smtClean="0"/>
+              <a:t>12</a:t>
+            </a:fld>
+            <a:endParaRPr lang="en-US"/>
+          </a:p>
+        </p:txBody>
+      </p:sp>
+    </p:spTree>
+    <p:extLst>
+      <p:ext uri="{BB962C8B-B14F-4D97-AF65-F5344CB8AC3E}">
+        <p14:creationId xmlns:p14="http://schemas.microsoft.com/office/powerpoint/2010/main" val="544160905"/>
+      </p:ext>
+    </p:extLst>
+  </p:cSld>
+  <p:clrMapOvr>
+    <a:masterClrMapping/>
+  </p:clrMapOvr>
+</p:notes>
+</file>
+
 <file path=ppt/slideLayouts/slideLayout1.xml><?xml version="1.0" encoding="utf-8"?>
 <p:sldLayout xmlns:a="http://schemas.openxmlformats.org/drawingml/2006/main" xmlns:r="http://schemas.openxmlformats.org/officeDocument/2006/relationships" xmlns:p="http://schemas.openxmlformats.org/presentationml/2006/main" type="title" preserve="1">
   <p:cSld name="Title Slide">
@@ -336,7 +773,7 @@
             <a:fld id="{1D8BD707-D9CF-40AE-B4C6-C98DA3205C09}" type="datetimeFigureOut">
               <a:rPr lang="en-US" smtClean="0"/>
               <a:pPr/>
-              <a:t>2/2/2025</a:t>
+              <a:t>2/3/2025</a:t>
             </a:fld>
             <a:endParaRPr lang="en-US"/>
           </a:p>
@@ -501,7 +938,7 @@
             <a:fld id="{1D8BD707-D9CF-40AE-B4C6-C98DA3205C09}" type="datetimeFigureOut">
               <a:rPr lang="en-US" smtClean="0"/>
               <a:pPr/>
-              <a:t>2/2/2025</a:t>
+              <a:t>2/3/2025</a:t>
             </a:fld>
             <a:endParaRPr lang="en-US"/>
           </a:p>
@@ -676,7 +1113,7 @@
             <a:fld id="{1D8BD707-D9CF-40AE-B4C6-C98DA3205C09}" type="datetimeFigureOut">
               <a:rPr lang="en-US" smtClean="0"/>
               <a:pPr/>
-              <a:t>2/2/2025</a:t>
+              <a:t>2/3/2025</a:t>
             </a:fld>
             <a:endParaRPr lang="en-US"/>
           </a:p>
@@ -841,7 +1278,7 @@
             <a:fld id="{1D8BD707-D9CF-40AE-B4C6-C98DA3205C09}" type="datetimeFigureOut">
               <a:rPr lang="en-US" smtClean="0"/>
               <a:pPr/>
-              <a:t>2/2/2025</a:t>
+              <a:t>2/3/2025</a:t>
             </a:fld>
             <a:endParaRPr lang="en-US"/>
           </a:p>
@@ -1083,7 +1520,7 @@
             <a:fld id="{1D8BD707-D9CF-40AE-B4C6-C98DA3205C09}" type="datetimeFigureOut">
               <a:rPr lang="en-US" smtClean="0"/>
               <a:pPr/>
-              <a:t>2/2/2025</a:t>
+              <a:t>2/3/2025</a:t>
             </a:fld>
             <a:endParaRPr lang="en-US"/>
           </a:p>
@@ -1365,7 +1802,7 @@
             <a:fld id="{1D8BD707-D9CF-40AE-B4C6-C98DA3205C09}" type="datetimeFigureOut">
               <a:rPr lang="en-US" smtClean="0"/>
               <a:pPr/>
-              <a:t>2/2/2025</a:t>
+              <a:t>2/3/2025</a:t>
             </a:fld>
             <a:endParaRPr lang="en-US"/>
           </a:p>
@@ -1781,7 +2218,7 @@
             <a:fld id="{1D8BD707-D9CF-40AE-B4C6-C98DA3205C09}" type="datetimeFigureOut">
               <a:rPr lang="en-US" smtClean="0"/>
               <a:pPr/>
-              <a:t>2/2/2025</a:t>
+              <a:t>2/3/2025</a:t>
             </a:fld>
             <a:endParaRPr lang="en-US"/>
           </a:p>
@@ -1895,7 +2332,7 @@
             <a:fld id="{1D8BD707-D9CF-40AE-B4C6-C98DA3205C09}" type="datetimeFigureOut">
               <a:rPr lang="en-US" smtClean="0"/>
               <a:pPr/>
-              <a:t>2/2/2025</a:t>
+              <a:t>2/3/2025</a:t>
             </a:fld>
             <a:endParaRPr lang="en-US"/>
           </a:p>
@@ -1987,7 +2424,7 @@
             <a:fld id="{1D8BD707-D9CF-40AE-B4C6-C98DA3205C09}" type="datetimeFigureOut">
               <a:rPr lang="en-US" smtClean="0"/>
               <a:pPr/>
-              <a:t>2/2/2025</a:t>
+              <a:t>2/3/2025</a:t>
             </a:fld>
             <a:endParaRPr lang="en-US"/>
           </a:p>
@@ -2259,7 +2696,7 @@
             <a:fld id="{1D8BD707-D9CF-40AE-B4C6-C98DA3205C09}" type="datetimeFigureOut">
               <a:rPr lang="en-US" smtClean="0"/>
               <a:pPr/>
-              <a:t>2/2/2025</a:t>
+              <a:t>2/3/2025</a:t>
             </a:fld>
             <a:endParaRPr lang="en-US"/>
           </a:p>
@@ -2508,7 +2945,7 @@
             <a:fld id="{1D8BD707-D9CF-40AE-B4C6-C98DA3205C09}" type="datetimeFigureOut">
               <a:rPr lang="en-US" smtClean="0"/>
               <a:pPr/>
-              <a:t>2/2/2025</a:t>
+              <a:t>2/3/2025</a:t>
             </a:fld>
             <a:endParaRPr lang="en-US"/>
           </a:p>
@@ -2716,7 +3153,7 @@
             <a:fld id="{1D8BD707-D9CF-40AE-B4C6-C98DA3205C09}" type="datetimeFigureOut">
               <a:rPr lang="en-US" smtClean="0"/>
               <a:pPr/>
-              <a:t>2/2/2025</a:t>
+              <a:t>2/3/2025</a:t>
             </a:fld>
             <a:endParaRPr lang="en-US"/>
           </a:p>
@@ -3808,12 +4245,106 @@
           <a:chExt cx="0" cy="0"/>
         </a:xfrm>
       </p:grpSpPr>
+      <p:pic>
+        <p:nvPicPr>
+          <p:cNvPr id="5" name="Picture 4">
+            <a:extLst>
+              <a:ext uri="{FF2B5EF4-FFF2-40B4-BE49-F238E27FC236}">
+                <a16:creationId xmlns:a16="http://schemas.microsoft.com/office/drawing/2014/main" id="{B5CAC6AE-FE37-03C0-2FD3-CEF813CBA6F5}"/>
+              </a:ext>
+            </a:extLst>
+          </p:cNvPr>
+          <p:cNvPicPr>
+            <a:picLocks noChangeAspect="1"/>
+          </p:cNvPicPr>
+          <p:nvPr/>
+        </p:nvPicPr>
+        <p:blipFill>
+          <a:blip r:embed="rId2"/>
+          <a:stretch>
+            <a:fillRect/>
+          </a:stretch>
+        </p:blipFill>
+        <p:spPr>
+          <a:xfrm>
+            <a:off x="1028700" y="362974"/>
+            <a:ext cx="16230600" cy="9561051"/>
+          </a:xfrm>
+          <a:prstGeom prst="rect">
+            <a:avLst/>
+          </a:prstGeom>
+        </p:spPr>
+      </p:pic>
+    </p:spTree>
+    <p:extLst>
+      <p:ext uri="{BB962C8B-B14F-4D97-AF65-F5344CB8AC3E}">
+        <p14:creationId xmlns:p14="http://schemas.microsoft.com/office/powerpoint/2010/main" val="4278049532"/>
+      </p:ext>
+    </p:extLst>
+  </p:cSld>
+  <p:clrMapOvr>
+    <a:masterClrMapping/>
+  </p:clrMapOvr>
+</p:sld>
+</file>
+
+<file path=ppt/slides/slide12.xml><?xml version="1.0" encoding="utf-8"?>
+<p:sld xmlns:a="http://schemas.openxmlformats.org/drawingml/2006/main" xmlns:r="http://schemas.openxmlformats.org/officeDocument/2006/relationships" xmlns:p="http://schemas.openxmlformats.org/presentationml/2006/main">
+  <p:cSld>
+    <p:bg>
+      <p:bgPr>
+        <a:gradFill rotWithShape="1">
+          <a:gsLst>
+            <a:gs pos="0">
+              <a:srgbClr val="6B1124">
+                <a:alpha val="100000"/>
+              </a:srgbClr>
+            </a:gs>
+            <a:gs pos="50000">
+              <a:srgbClr val="000000">
+                <a:alpha val="100000"/>
+              </a:srgbClr>
+            </a:gs>
+            <a:gs pos="100000">
+              <a:srgbClr val="6B1124">
+                <a:alpha val="100000"/>
+              </a:srgbClr>
+            </a:gs>
+          </a:gsLst>
+          <a:path path="circle">
+            <a:fillToRect r="100000" b="100000"/>
+          </a:path>
+          <a:tileRect l="-100000" t="-100000"/>
+        </a:gradFill>
+        <a:effectLst/>
+      </p:bgPr>
+    </p:bg>
+    <p:spTree>
+      <p:nvGrpSpPr>
+        <p:cNvPr id="1" name="">
+          <a:extLst>
+            <a:ext uri="{FF2B5EF4-FFF2-40B4-BE49-F238E27FC236}">
+              <a16:creationId xmlns:a16="http://schemas.microsoft.com/office/drawing/2014/main" id="{A520518F-D202-DF39-AB7E-6D0CE4D2C024}"/>
+            </a:ext>
+          </a:extLst>
+        </p:cNvPr>
+        <p:cNvGrpSpPr/>
+        <p:nvPr/>
+      </p:nvGrpSpPr>
+      <p:grpSpPr>
+        <a:xfrm>
+          <a:off x="0" y="0"/>
+          <a:ext cx="0" cy="0"/>
+          <a:chOff x="0" y="0"/>
+          <a:chExt cx="0" cy="0"/>
+        </a:xfrm>
+      </p:grpSpPr>
       <p:sp>
         <p:nvSpPr>
           <p:cNvPr id="2" name="AutoShape 2">
             <a:extLst>
               <a:ext uri="{FF2B5EF4-FFF2-40B4-BE49-F238E27FC236}">
-                <a16:creationId xmlns:a16="http://schemas.microsoft.com/office/drawing/2014/main" id="{9BBC93ED-8C23-A866-B476-1501B8565355}"/>
+                <a16:creationId xmlns:a16="http://schemas.microsoft.com/office/drawing/2014/main" id="{E71F3576-6ACB-7371-DBE0-21B37D49AC5D}"/>
               </a:ext>
             </a:extLst>
           </p:cNvPr>
@@ -3822,7 +4353,7 @@
         </p:nvSpPr>
         <p:spPr>
           <a:xfrm flipV="1">
-            <a:off x="0" y="4596163"/>
+            <a:off x="0" y="3624397"/>
             <a:ext cx="18288000" cy="0"/>
           </a:xfrm>
           <a:prstGeom prst="line">
@@ -3843,7 +4374,7 @@
           <p:cNvPr id="3" name="TextBox 3">
             <a:extLst>
               <a:ext uri="{FF2B5EF4-FFF2-40B4-BE49-F238E27FC236}">
-                <a16:creationId xmlns:a16="http://schemas.microsoft.com/office/drawing/2014/main" id="{B927D3A4-FD7A-A820-1543-492DBEB98667}"/>
+                <a16:creationId xmlns:a16="http://schemas.microsoft.com/office/drawing/2014/main" id="{EAE34801-557B-EC0F-4D0B-DB7F4CB70280}"/>
               </a:ext>
             </a:extLst>
           </p:cNvPr>
@@ -3852,8 +4383,8 @@
         </p:nvSpPr>
         <p:spPr>
           <a:xfrm>
-            <a:off x="876300" y="571500"/>
-            <a:ext cx="16535400" cy="3947234"/>
+            <a:off x="1028700" y="328922"/>
+            <a:ext cx="9263584" cy="3163558"/>
           </a:xfrm>
           <a:prstGeom prst="rect">
             <a:avLst/>
@@ -3865,7 +4396,11 @@
           </a:bodyPr>
           <a:lstStyle/>
           <a:p>
-            <a:pPr algn="ctr"/>
+            <a:pPr algn="l">
+              <a:lnSpc>
+                <a:spcPts val="8122"/>
+              </a:lnSpc>
+            </a:pPr>
             <a:r>
               <a:rPr lang="en-US" sz="8550" b="1" spc="-359" dirty="0">
                 <a:solidFill>
@@ -3879,66 +4414,371 @@
               <a:t>Feature Importance Analysis</a:t>
             </a:r>
           </a:p>
-          <a:p>
-            <a:pPr algn="ctr"/>
-            <a:r>
-              <a:rPr lang="en-US" sz="8550" b="1" spc="-359" dirty="0">
+        </p:txBody>
+      </p:sp>
+      <p:sp>
+        <p:nvSpPr>
+          <p:cNvPr id="4" name="TextBox 4">
+            <a:extLst>
+              <a:ext uri="{FF2B5EF4-FFF2-40B4-BE49-F238E27FC236}">
+                <a16:creationId xmlns:a16="http://schemas.microsoft.com/office/drawing/2014/main" id="{9574282F-7DB3-B8A1-E473-42A9BAF5A2C4}"/>
+              </a:ext>
+            </a:extLst>
+          </p:cNvPr>
+          <p:cNvSpPr txBox="1"/>
+          <p:nvPr/>
+        </p:nvSpPr>
+        <p:spPr>
+          <a:xfrm>
+            <a:off x="4876799" y="3989494"/>
+            <a:ext cx="8262417" cy="486030"/>
+          </a:xfrm>
+          <a:prstGeom prst="rect">
+            <a:avLst/>
+          </a:prstGeom>
+        </p:spPr>
+        <p:txBody>
+          <a:bodyPr wrap="square" lIns="0" tIns="0" rIns="0" bIns="0" rtlCol="0" anchor="t">
+            <a:spAutoFit/>
+          </a:bodyPr>
+          <a:lstStyle/>
+          <a:p>
+            <a:pPr algn="l">
+              <a:lnSpc>
+                <a:spcPts val="3950"/>
+              </a:lnSpc>
+              <a:spcBef>
+                <a:spcPct val="0"/>
+              </a:spcBef>
+            </a:pPr>
+            <a:r>
+              <a:rPr lang="en-US" sz="2821" spc="-118" dirty="0">
                 <a:solidFill>
                   <a:srgbClr val="F4F4F4"/>
                 </a:solidFill>
-                <a:latin typeface="Poppins Medium"/>
-                <a:ea typeface="Poppins Medium"/>
-                <a:cs typeface="Poppins Medium"/>
-                <a:sym typeface="Poppins Medium"/>
+                <a:latin typeface="Poppins"/>
+                <a:ea typeface="Poppins"/>
+                <a:cs typeface="Poppins"/>
+                <a:sym typeface="Poppins"/>
               </a:rPr>
-              <a:t>Using SHAP</a:t>
-            </a:r>
-          </a:p>
-          <a:p>
-            <a:pPr algn="ctr"/>
-            <a:r>
-              <a:rPr lang="en-US" sz="8550" b="1" spc="-359" dirty="0">
+              <a:t>Explanation</a:t>
+            </a:r>
+          </a:p>
+        </p:txBody>
+      </p:sp>
+      <p:sp>
+        <p:nvSpPr>
+          <p:cNvPr id="5" name="TextBox 5">
+            <a:extLst>
+              <a:ext uri="{FF2B5EF4-FFF2-40B4-BE49-F238E27FC236}">
+                <a16:creationId xmlns:a16="http://schemas.microsoft.com/office/drawing/2014/main" id="{89BD0487-9C6F-44C8-0B2D-B926B18A4DCF}"/>
+              </a:ext>
+            </a:extLst>
+          </p:cNvPr>
+          <p:cNvSpPr txBox="1"/>
+          <p:nvPr/>
+        </p:nvSpPr>
+        <p:spPr>
+          <a:xfrm>
+            <a:off x="4876801" y="4610100"/>
+            <a:ext cx="11353800" cy="4431983"/>
+          </a:xfrm>
+          <a:prstGeom prst="rect">
+            <a:avLst/>
+          </a:prstGeom>
+        </p:spPr>
+        <p:txBody>
+          <a:bodyPr wrap="square" lIns="0" tIns="0" rIns="0" bIns="0" rtlCol="0" anchor="t">
+            <a:spAutoFit/>
+          </a:bodyPr>
+          <a:lstStyle/>
+          <a:p>
+            <a:pPr marL="285750" indent="-285750" algn="just">
+              <a:spcBef>
+                <a:spcPct val="0"/>
+              </a:spcBef>
+              <a:buFont typeface="Arial" panose="020B0604020202020204" pitchFamily="34" charset="0"/>
+              <a:buChar char="•"/>
+            </a:pPr>
+            <a:r>
+              <a:rPr lang="en-US" sz="2400" dirty="0">
                 <a:solidFill>
                   <a:srgbClr val="F4F4F4"/>
                 </a:solidFill>
-                <a:latin typeface="Poppins Medium"/>
-                <a:ea typeface="Poppins Medium"/>
-                <a:cs typeface="Poppins Medium"/>
-                <a:sym typeface="Poppins Medium"/>
+                <a:latin typeface="Inter Extra-Light"/>
+                <a:ea typeface="Inter Extra-Light"/>
+                <a:cs typeface="Inter Extra-Light"/>
+                <a:sym typeface="Inter Extra-Light"/>
               </a:rPr>
-              <a:t>(</a:t>
-            </a:r>
-            <a:r>
-              <a:rPr lang="en-US" sz="8550" b="1" spc="-359" noProof="1">
+              <a:t>Age is the most important feature: It has the highest importance score, suggesting it strongly influences the model's predictions.</a:t>
+            </a:r>
+          </a:p>
+          <a:p>
+            <a:pPr marL="285750" indent="-285750" algn="just">
+              <a:spcBef>
+                <a:spcPct val="0"/>
+              </a:spcBef>
+              <a:buFont typeface="Arial" panose="020B0604020202020204" pitchFamily="34" charset="0"/>
+              <a:buChar char="•"/>
+            </a:pPr>
+            <a:endParaRPr lang="en-US" sz="2400" dirty="0">
+              <a:solidFill>
+                <a:srgbClr val="F4F4F4"/>
+              </a:solidFill>
+              <a:latin typeface="Inter Extra-Light"/>
+              <a:ea typeface="Inter Extra-Light"/>
+              <a:cs typeface="Inter Extra-Light"/>
+              <a:sym typeface="Inter Extra-Light"/>
+            </a:endParaRPr>
+          </a:p>
+          <a:p>
+            <a:pPr marL="285750" indent="-285750" algn="just">
+              <a:spcBef>
+                <a:spcPct val="0"/>
+              </a:spcBef>
+              <a:buFont typeface="Arial" panose="020B0604020202020204" pitchFamily="34" charset="0"/>
+              <a:buChar char="•"/>
+            </a:pPr>
+            <a:r>
+              <a:rPr lang="en-US" sz="2400" dirty="0">
                 <a:solidFill>
                   <a:srgbClr val="F4F4F4"/>
                 </a:solidFill>
-                <a:latin typeface="Poppins Medium"/>
-                <a:ea typeface="Poppins Medium"/>
-                <a:cs typeface="Poppins Medium"/>
-                <a:sym typeface="Poppins Medium"/>
+                <a:latin typeface="Inter Extra-Light"/>
+                <a:ea typeface="Inter Extra-Light"/>
+                <a:cs typeface="Inter Extra-Light"/>
+                <a:sym typeface="Inter Extra-Light"/>
               </a:rPr>
-              <a:t>SHapley Additive exPlanations</a:t>
-            </a:r>
-            <a:r>
-              <a:rPr lang="en-US" sz="8550" b="1" spc="-359" dirty="0">
+              <a:t>Other significant features: Other features with relatively high importance scores include "euribor3m", "campaign", "</a:t>
+            </a:r>
+            <a:r>
+              <a:rPr lang="en-US" sz="2400" dirty="0" err="1">
                 <a:solidFill>
                   <a:srgbClr val="F4F4F4"/>
                 </a:solidFill>
-                <a:latin typeface="Poppins Medium"/>
-                <a:ea typeface="Poppins Medium"/>
-                <a:cs typeface="Poppins Medium"/>
-                <a:sym typeface="Poppins Medium"/>
+                <a:latin typeface="Inter Extra-Light"/>
+                <a:ea typeface="Inter Extra-Light"/>
+                <a:cs typeface="Inter Extra-Light"/>
+                <a:sym typeface="Inter Extra-Light"/>
               </a:rPr>
-              <a:t>)</a:t>
-            </a:r>
-          </a:p>
-        </p:txBody>
-      </p:sp>
+              <a:t>nr.employed</a:t>
+            </a:r>
+            <a:r>
+              <a:rPr lang="en-US" sz="2400" dirty="0">
+                <a:solidFill>
+                  <a:srgbClr val="F4F4F4"/>
+                </a:solidFill>
+                <a:latin typeface="Inter Extra-Light"/>
+                <a:ea typeface="Inter Extra-Light"/>
+                <a:cs typeface="Inter Extra-Light"/>
+                <a:sym typeface="Inter Extra-Light"/>
+              </a:rPr>
+              <a:t>", and "</a:t>
+            </a:r>
+            <a:r>
+              <a:rPr lang="en-US" sz="2400" dirty="0" err="1">
+                <a:solidFill>
+                  <a:srgbClr val="F4F4F4"/>
+                </a:solidFill>
+                <a:latin typeface="Inter Extra-Light"/>
+                <a:ea typeface="Inter Extra-Light"/>
+                <a:cs typeface="Inter Extra-Light"/>
+                <a:sym typeface="Inter Extra-Light"/>
+              </a:rPr>
+              <a:t>poutcome_success</a:t>
+            </a:r>
+            <a:r>
+              <a:rPr lang="en-US" sz="2400" dirty="0">
+                <a:solidFill>
+                  <a:srgbClr val="F4F4F4"/>
+                </a:solidFill>
+                <a:latin typeface="Inter Extra-Light"/>
+                <a:ea typeface="Inter Extra-Light"/>
+                <a:cs typeface="Inter Extra-Light"/>
+                <a:sym typeface="Inter Extra-Light"/>
+              </a:rPr>
+              <a:t>". This indicates that factors like interest rates, marketing campaign involvement, employment rates, and past outcome of contact attempts are also crucial for the model.</a:t>
+            </a:r>
+          </a:p>
+          <a:p>
+            <a:pPr marL="285750" indent="-285750" algn="just">
+              <a:spcBef>
+                <a:spcPct val="0"/>
+              </a:spcBef>
+              <a:buFont typeface="Arial" panose="020B0604020202020204" pitchFamily="34" charset="0"/>
+              <a:buChar char="•"/>
+            </a:pPr>
+            <a:endParaRPr lang="en-US" sz="2400" dirty="0">
+              <a:solidFill>
+                <a:srgbClr val="F4F4F4"/>
+              </a:solidFill>
+              <a:latin typeface="Inter Extra-Light"/>
+              <a:ea typeface="Inter Extra-Light"/>
+              <a:cs typeface="Inter Extra-Light"/>
+              <a:sym typeface="Inter Extra-Light"/>
+            </a:endParaRPr>
+          </a:p>
+          <a:p>
+            <a:pPr marL="285750" indent="-285750" algn="just">
+              <a:spcBef>
+                <a:spcPct val="0"/>
+              </a:spcBef>
+              <a:buFont typeface="Arial" panose="020B0604020202020204" pitchFamily="34" charset="0"/>
+              <a:buChar char="•"/>
+            </a:pPr>
+            <a:r>
+              <a:rPr lang="en-US" sz="2400" dirty="0">
+                <a:solidFill>
+                  <a:srgbClr val="F4F4F4"/>
+                </a:solidFill>
+                <a:latin typeface="Inter Extra-Light"/>
+                <a:ea typeface="Inter Extra-Light"/>
+                <a:cs typeface="Inter Extra-Light"/>
+                <a:sym typeface="Inter Extra-Light"/>
+              </a:rPr>
+              <a:t>Features with low importance: Features at the bottom of the chart have low importance scores. They likely have minimal impact on the model's predictions.</a:t>
+            </a:r>
+          </a:p>
+        </p:txBody>
+      </p:sp>
+      <p:grpSp>
+        <p:nvGrpSpPr>
+          <p:cNvPr id="6" name="Group 6">
+            <a:extLst>
+              <a:ext uri="{FF2B5EF4-FFF2-40B4-BE49-F238E27FC236}">
+                <a16:creationId xmlns:a16="http://schemas.microsoft.com/office/drawing/2014/main" id="{94D0DF1E-DB93-0649-02E1-D38F2679C29B}"/>
+              </a:ext>
+            </a:extLst>
+          </p:cNvPr>
+          <p:cNvGrpSpPr/>
+          <p:nvPr/>
+        </p:nvGrpSpPr>
+        <p:grpSpPr>
+          <a:xfrm>
+            <a:off x="-4015838" y="3997842"/>
+            <a:ext cx="8031676" cy="5105399"/>
+            <a:chOff x="0" y="0"/>
+            <a:chExt cx="1483160" cy="1274980"/>
+          </a:xfrm>
+          <a:blipFill>
+            <a:blip r:embed="rId3">
+              <a:extLst>
+                <a:ext uri="{837473B0-CC2E-450A-ABE3-18F120FF3D39}">
+                  <a1611:picAttrSrcUrl xmlns:a1611="http://schemas.microsoft.com/office/drawing/2016/11/main" r:id="rId4"/>
+                </a:ext>
+              </a:extLst>
+            </a:blip>
+            <a:stretch>
+              <a:fillRect/>
+            </a:stretch>
+          </a:blipFill>
+        </p:grpSpPr>
+        <p:sp>
+          <p:nvSpPr>
+            <p:cNvPr id="7" name="Freeform 7">
+              <a:extLst>
+                <a:ext uri="{FF2B5EF4-FFF2-40B4-BE49-F238E27FC236}">
+                  <a16:creationId xmlns:a16="http://schemas.microsoft.com/office/drawing/2014/main" id="{CD7035F1-8100-EA6E-3A79-0185E4C43A90}"/>
+                </a:ext>
+              </a:extLst>
+            </p:cNvPr>
+            <p:cNvSpPr/>
+            <p:nvPr/>
+          </p:nvSpPr>
+          <p:spPr>
+            <a:xfrm>
+              <a:off x="0" y="0"/>
+              <a:ext cx="1483160" cy="1274980"/>
+            </a:xfrm>
+            <a:custGeom>
+              <a:avLst/>
+              <a:gdLst/>
+              <a:ahLst/>
+              <a:cxnLst/>
+              <a:rect l="l" t="t" r="r" b="b"/>
+              <a:pathLst>
+                <a:path w="1483160" h="1274980">
+                  <a:moveTo>
+                    <a:pt x="49330" y="0"/>
+                  </a:moveTo>
+                  <a:lnTo>
+                    <a:pt x="1433829" y="0"/>
+                  </a:lnTo>
+                  <a:cubicBezTo>
+                    <a:pt x="1446913" y="0"/>
+                    <a:pt x="1459460" y="5197"/>
+                    <a:pt x="1468711" y="14449"/>
+                  </a:cubicBezTo>
+                  <a:cubicBezTo>
+                    <a:pt x="1477963" y="23700"/>
+                    <a:pt x="1483160" y="36247"/>
+                    <a:pt x="1483160" y="49330"/>
+                  </a:cubicBezTo>
+                  <a:lnTo>
+                    <a:pt x="1483160" y="1225650"/>
+                  </a:lnTo>
+                  <a:cubicBezTo>
+                    <a:pt x="1483160" y="1238733"/>
+                    <a:pt x="1477963" y="1251281"/>
+                    <a:pt x="1468711" y="1260532"/>
+                  </a:cubicBezTo>
+                  <a:cubicBezTo>
+                    <a:pt x="1459460" y="1269783"/>
+                    <a:pt x="1446913" y="1274980"/>
+                    <a:pt x="1433829" y="1274980"/>
+                  </a:cubicBezTo>
+                  <a:lnTo>
+                    <a:pt x="49330" y="1274980"/>
+                  </a:lnTo>
+                  <a:cubicBezTo>
+                    <a:pt x="36247" y="1274980"/>
+                    <a:pt x="23700" y="1269783"/>
+                    <a:pt x="14449" y="1260532"/>
+                  </a:cubicBezTo>
+                  <a:cubicBezTo>
+                    <a:pt x="5197" y="1251281"/>
+                    <a:pt x="0" y="1238733"/>
+                    <a:pt x="0" y="1225650"/>
+                  </a:cubicBezTo>
+                  <a:lnTo>
+                    <a:pt x="0" y="49330"/>
+                  </a:lnTo>
+                  <a:cubicBezTo>
+                    <a:pt x="0" y="36247"/>
+                    <a:pt x="5197" y="23700"/>
+                    <a:pt x="14449" y="14449"/>
+                  </a:cubicBezTo>
+                  <a:cubicBezTo>
+                    <a:pt x="23700" y="5197"/>
+                    <a:pt x="36247" y="0"/>
+                    <a:pt x="49330" y="0"/>
+                  </a:cubicBezTo>
+                  <a:close/>
+                </a:path>
+              </a:pathLst>
+            </a:custGeom>
+            <a:grpFill/>
+            <a:ln w="9525" cap="rnd">
+              <a:solidFill>
+                <a:srgbClr val="FFFFFF"/>
+              </a:solidFill>
+              <a:prstDash val="solid"/>
+              <a:round/>
+            </a:ln>
+          </p:spPr>
+          <p:txBody>
+            <a:bodyPr/>
+            <a:lstStyle/>
+            <a:p>
+              <a:endParaRPr lang="en-US" dirty="0"/>
+            </a:p>
+          </p:txBody>
+        </p:sp>
+      </p:grpSp>
     </p:spTree>
     <p:extLst>
       <p:ext uri="{BB962C8B-B14F-4D97-AF65-F5344CB8AC3E}">
-        <p14:creationId xmlns:p14="http://schemas.microsoft.com/office/powerpoint/2010/main" val="4278049532"/>
+        <p14:creationId xmlns:p14="http://schemas.microsoft.com/office/powerpoint/2010/main" val="3868194292"/>
       </p:ext>
     </p:extLst>
   </p:cSld>
@@ -3948,7 +4788,7 @@
 </p:sld>
 </file>
 
-<file path=ppt/slides/slide12.xml><?xml version="1.0" encoding="utf-8"?>
+<file path=ppt/slides/slide13.xml><?xml version="1.0" encoding="utf-8"?>
 <p:sld xmlns:a="http://schemas.openxmlformats.org/drawingml/2006/main" xmlns:r="http://schemas.openxmlformats.org/officeDocument/2006/relationships" xmlns:p="http://schemas.openxmlformats.org/presentationml/2006/main">
   <p:cSld>
     <p:bg>
@@ -7365,10 +8205,10 @@
         </p:nvGrpSpPr>
         <p:grpSpPr>
           <a:xfrm>
-            <a:off x="1028700" y="1776560"/>
-            <a:ext cx="8839378" cy="6839771"/>
-            <a:chOff x="0" y="114300"/>
-            <a:chExt cx="11785838" cy="9119695"/>
+            <a:off x="1000347" y="1776560"/>
+            <a:ext cx="8867731" cy="6993510"/>
+            <a:chOff x="-37804" y="114300"/>
+            <a:chExt cx="11823642" cy="9324680"/>
           </a:xfrm>
         </p:grpSpPr>
         <p:sp>
@@ -7439,7 +8279,7 @@
           </p:nvSpPr>
           <p:spPr>
             <a:xfrm>
-              <a:off x="0" y="6007921"/>
+              <a:off x="-37804" y="5217323"/>
               <a:ext cx="9289355" cy="650572"/>
             </a:xfrm>
             <a:prstGeom prst="rect">
@@ -7483,8 +8323,8 @@
           </p:nvSpPr>
           <p:spPr>
             <a:xfrm>
-              <a:off x="0" y="7381694"/>
-              <a:ext cx="9289355" cy="1852301"/>
+              <a:off x="0" y="6458164"/>
+              <a:ext cx="9289355" cy="2980816"/>
             </a:xfrm>
             <a:prstGeom prst="rect">
               <a:avLst/>
@@ -7496,13 +8336,15 @@
             </a:bodyPr>
             <a:lstStyle/>
             <a:p>
-              <a:pPr algn="just">
+              <a:pPr marL="285750" indent="-285750" algn="just">
                 <a:lnSpc>
                   <a:spcPts val="2239"/>
                 </a:lnSpc>
                 <a:spcBef>
                   <a:spcPct val="0"/>
                 </a:spcBef>
+                <a:buFont typeface="Arial" panose="020B0604020202020204" pitchFamily="34" charset="0"/>
+                <a:buChar char="•"/>
               </a:pPr>
               <a:r>
                 <a:rPr lang="en-US" sz="1599" dirty="0">
@@ -7514,7 +8356,79 @@
                   <a:cs typeface="Inter Extra-Light"/>
                   <a:sym typeface="Inter Extra-Light"/>
                 </a:rPr>
-                <a:t>A confusion matrix is a simple table that shows how well a classification model is performing by comparing its predictions to the actual results. It breaks down the predictions into four categories: correct predictions for both classes (true positives and true negatives) and incorrect predictions (false positives and false negatives).</a:t>
+                <a:t>True Negative (TN): Model correctly predicted 7063 customers who did not engage (0) as not interested.</a:t>
+              </a:r>
+            </a:p>
+            <a:p>
+              <a:pPr marL="285750" indent="-285750" algn="just">
+                <a:lnSpc>
+                  <a:spcPts val="2239"/>
+                </a:lnSpc>
+                <a:spcBef>
+                  <a:spcPct val="0"/>
+                </a:spcBef>
+                <a:buFont typeface="Arial" panose="020B0604020202020204" pitchFamily="34" charset="0"/>
+                <a:buChar char="•"/>
+              </a:pPr>
+              <a:r>
+                <a:rPr lang="en-US" sz="1599" dirty="0">
+                  <a:solidFill>
+                    <a:srgbClr val="F4F4F4"/>
+                  </a:solidFill>
+                  <a:latin typeface="Inter Extra-Light"/>
+                  <a:ea typeface="Inter Extra-Light"/>
+                  <a:cs typeface="Inter Extra-Light"/>
+                  <a:sym typeface="Inter Extra-Light"/>
+                </a:rPr>
+                <a:t>False Positive (FP): Model incorrectly predicted 240 customers as interested (1) when they actually did not engage (0).</a:t>
+              </a:r>
+            </a:p>
+            <a:p>
+              <a:pPr marL="285750" indent="-285750" algn="just">
+                <a:lnSpc>
+                  <a:spcPts val="2239"/>
+                </a:lnSpc>
+                <a:spcBef>
+                  <a:spcPct val="0"/>
+                </a:spcBef>
+                <a:buFont typeface="Arial" panose="020B0604020202020204" pitchFamily="34" charset="0"/>
+                <a:buChar char="•"/>
+              </a:pPr>
+              <a:r>
+                <a:rPr lang="en-US" sz="1599" dirty="0">
+                  <a:solidFill>
+                    <a:srgbClr val="F4F4F4"/>
+                  </a:solidFill>
+                  <a:latin typeface="Inter Extra-Light"/>
+                  <a:ea typeface="Inter Extra-Light"/>
+                  <a:cs typeface="Inter Extra-Light"/>
+                  <a:sym typeface="Inter Extra-Light"/>
+                </a:rPr>
+                <a:t>False Negative (FN): Model missed 672 customers who were actually interested (1), predicting them as not interested (0).</a:t>
+              </a:r>
+            </a:p>
+            <a:p>
+              <a:pPr marL="285750" indent="-285750" algn="just">
+                <a:lnSpc>
+                  <a:spcPts val="2239"/>
+                </a:lnSpc>
+                <a:spcBef>
+                  <a:spcPct val="0"/>
+                </a:spcBef>
+                <a:buFont typeface="Arial" panose="020B0604020202020204" pitchFamily="34" charset="0"/>
+                <a:buChar char="•"/>
+              </a:pPr>
+              <a:r>
+                <a:rPr lang="en-US" sz="1599" dirty="0">
+                  <a:solidFill>
+                    <a:srgbClr val="F4F4F4"/>
+                  </a:solidFill>
+                  <a:latin typeface="Inter Extra-Light"/>
+                  <a:ea typeface="Inter Extra-Light"/>
+                  <a:cs typeface="Inter Extra-Light"/>
+                  <a:sym typeface="Inter Extra-Light"/>
+                </a:rPr>
+                <a:t>True Positive (TP): Model correctly identified 263 customers who engaged (1) as interested.</a:t>
               </a:r>
             </a:p>
           </p:txBody>
@@ -8126,4 +9040,319 @@
   <a:objectDefaults/>
   <a:extraClrSchemeLst/>
 </a:theme>
+</file>
+
+<file path=ppt/theme/theme2.xml><?xml version="1.0" encoding="utf-8"?>
+<a:theme xmlns:a="http://schemas.openxmlformats.org/drawingml/2006/main" name="Office Theme">
+  <a:themeElements>
+    <a:clrScheme name="Office">
+      <a:dk1>
+        <a:sysClr val="windowText" lastClr="000000"/>
+      </a:dk1>
+      <a:lt1>
+        <a:sysClr val="window" lastClr="FFFFFF"/>
+      </a:lt1>
+      <a:dk2>
+        <a:srgbClr val="0E2841"/>
+      </a:dk2>
+      <a:lt2>
+        <a:srgbClr val="E8E8E8"/>
+      </a:lt2>
+      <a:accent1>
+        <a:srgbClr val="156082"/>
+      </a:accent1>
+      <a:accent2>
+        <a:srgbClr val="E97132"/>
+      </a:accent2>
+      <a:accent3>
+        <a:srgbClr val="196B24"/>
+      </a:accent3>
+      <a:accent4>
+        <a:srgbClr val="0F9ED5"/>
+      </a:accent4>
+      <a:accent5>
+        <a:srgbClr val="A02B93"/>
+      </a:accent5>
+      <a:accent6>
+        <a:srgbClr val="4EA72E"/>
+      </a:accent6>
+      <a:hlink>
+        <a:srgbClr val="467886"/>
+      </a:hlink>
+      <a:folHlink>
+        <a:srgbClr val="96607D"/>
+      </a:folHlink>
+    </a:clrScheme>
+    <a:fontScheme name="Office">
+      <a:majorFont>
+        <a:latin typeface="Aptos Display" panose="02110004020202020204"/>
+        <a:ea typeface=""/>
+        <a:cs typeface=""/>
+        <a:font script="Jpan" typeface="游ゴシック Light"/>
+        <a:font script="Hang" typeface="맑은 고딕"/>
+        <a:font script="Hans" typeface="等线 Light"/>
+        <a:font script="Hant" typeface="新細明體"/>
+        <a:font script="Arab" typeface="Times New Roman"/>
+        <a:font script="Hebr" typeface="Times New Roman"/>
+        <a:font script="Thai" typeface="Angsana New"/>
+        <a:font script="Ethi" typeface="Nyala"/>
+        <a:font script="Beng" typeface="Vrinda"/>
+        <a:font script="Gujr" typeface="Shruti"/>
+        <a:font script="Khmr" typeface="MoolBoran"/>
+        <a:font script="Knda" typeface="Tunga"/>
+        <a:font script="Guru" typeface="Raavi"/>
+        <a:font script="Cans" typeface="Euphemia"/>
+        <a:font script="Cher" typeface="Plantagenet Cherokee"/>
+        <a:font script="Yiii" typeface="Microsoft Yi Baiti"/>
+        <a:font script="Tibt" typeface="Microsoft Himalaya"/>
+        <a:font script="Thaa" typeface="MV Boli"/>
+        <a:font script="Deva" typeface="Mangal"/>
+        <a:font script="Telu" typeface="Gautami"/>
+        <a:font script="Taml" typeface="Latha"/>
+        <a:font script="Syrc" typeface="Estrangelo Edessa"/>
+        <a:font script="Orya" typeface="Kalinga"/>
+        <a:font script="Mlym" typeface="Kartika"/>
+        <a:font script="Laoo" typeface="DokChampa"/>
+        <a:font script="Sinh" typeface="Iskoola Pota"/>
+        <a:font script="Mong" typeface="Mongolian Baiti"/>
+        <a:font script="Viet" typeface="Times New Roman"/>
+        <a:font script="Uigh" typeface="Microsoft Uighur"/>
+        <a:font script="Geor" typeface="Sylfaen"/>
+        <a:font script="Armn" typeface="Arial"/>
+        <a:font script="Bugi" typeface="Leelawadee UI"/>
+        <a:font script="Bopo" typeface="Microsoft JhengHei"/>
+        <a:font script="Java" typeface="Javanese Text"/>
+        <a:font script="Lisu" typeface="Segoe UI"/>
+        <a:font script="Mymr" typeface="Myanmar Text"/>
+        <a:font script="Nkoo" typeface="Ebrima"/>
+        <a:font script="Olck" typeface="Nirmala UI"/>
+        <a:font script="Osma" typeface="Ebrima"/>
+        <a:font script="Phag" typeface="Phagspa"/>
+        <a:font script="Syrn" typeface="Estrangelo Edessa"/>
+        <a:font script="Syrj" typeface="Estrangelo Edessa"/>
+        <a:font script="Syre" typeface="Estrangelo Edessa"/>
+        <a:font script="Sora" typeface="Nirmala UI"/>
+        <a:font script="Tale" typeface="Microsoft Tai Le"/>
+        <a:font script="Talu" typeface="Microsoft New Tai Lue"/>
+        <a:font script="Tfng" typeface="Ebrima"/>
+      </a:majorFont>
+      <a:minorFont>
+        <a:latin typeface="Aptos" panose="02110004020202020204"/>
+        <a:ea typeface=""/>
+        <a:cs typeface=""/>
+        <a:font script="Jpan" typeface="游ゴシック"/>
+        <a:font script="Hang" typeface="맑은 고딕"/>
+        <a:font script="Hans" typeface="等线"/>
+        <a:font script="Hant" typeface="新細明體"/>
+        <a:font script="Arab" typeface="Arial"/>
+        <a:font script="Hebr" typeface="Arial"/>
+        <a:font script="Thai" typeface="Cordia New"/>
+        <a:font script="Ethi" typeface="Nyala"/>
+        <a:font script="Beng" typeface="Vrinda"/>
+        <a:font script="Gujr" typeface="Shruti"/>
+        <a:font script="Khmr" typeface="DaunPenh"/>
+        <a:font script="Knda" typeface="Tunga"/>
+        <a:font script="Guru" typeface="Raavi"/>
+        <a:font script="Cans" typeface="Euphemia"/>
+        <a:font script="Cher" typeface="Plantagenet Cherokee"/>
+        <a:font script="Yiii" typeface="Microsoft Yi Baiti"/>
+        <a:font script="Tibt" typeface="Microsoft Himalaya"/>
+        <a:font script="Thaa" typeface="MV Boli"/>
+        <a:font script="Deva" typeface="Mangal"/>
+        <a:font script="Telu" typeface="Gautami"/>
+        <a:font script="Taml" typeface="Latha"/>
+        <a:font script="Syrc" typeface="Estrangelo Edessa"/>
+        <a:font script="Orya" typeface="Kalinga"/>
+        <a:font script="Mlym" typeface="Kartika"/>
+        <a:font script="Laoo" typeface="DokChampa"/>
+        <a:font script="Sinh" typeface="Iskoola Pota"/>
+        <a:font script="Mong" typeface="Mongolian Baiti"/>
+        <a:font script="Viet" typeface="Arial"/>
+        <a:font script="Uigh" typeface="Microsoft Uighur"/>
+        <a:font script="Geor" typeface="Sylfaen"/>
+        <a:font script="Armn" typeface="Arial"/>
+        <a:font script="Bugi" typeface="Leelawadee UI"/>
+        <a:font script="Bopo" typeface="Microsoft JhengHei"/>
+        <a:font script="Java" typeface="Javanese Text"/>
+        <a:font script="Lisu" typeface="Segoe UI"/>
+        <a:font script="Mymr" typeface="Myanmar Text"/>
+        <a:font script="Nkoo" typeface="Ebrima"/>
+        <a:font script="Olck" typeface="Nirmala UI"/>
+        <a:font script="Osma" typeface="Ebrima"/>
+        <a:font script="Phag" typeface="Phagspa"/>
+        <a:font script="Syrn" typeface="Estrangelo Edessa"/>
+        <a:font script="Syrj" typeface="Estrangelo Edessa"/>
+        <a:font script="Syre" typeface="Estrangelo Edessa"/>
+        <a:font script="Sora" typeface="Nirmala UI"/>
+        <a:font script="Tale" typeface="Microsoft Tai Le"/>
+        <a:font script="Talu" typeface="Microsoft New Tai Lue"/>
+        <a:font script="Tfng" typeface="Ebrima"/>
+      </a:minorFont>
+    </a:fontScheme>
+    <a:fmtScheme name="Office">
+      <a:fillStyleLst>
+        <a:solidFill>
+          <a:schemeClr val="phClr"/>
+        </a:solidFill>
+        <a:gradFill rotWithShape="1">
+          <a:gsLst>
+            <a:gs pos="0">
+              <a:schemeClr val="phClr">
+                <a:lumMod val="110000"/>
+                <a:satMod val="105000"/>
+                <a:tint val="67000"/>
+              </a:schemeClr>
+            </a:gs>
+            <a:gs pos="50000">
+              <a:schemeClr val="phClr">
+                <a:lumMod val="105000"/>
+                <a:satMod val="103000"/>
+                <a:tint val="73000"/>
+              </a:schemeClr>
+            </a:gs>
+            <a:gs pos="100000">
+              <a:schemeClr val="phClr">
+                <a:lumMod val="105000"/>
+                <a:satMod val="109000"/>
+                <a:tint val="81000"/>
+              </a:schemeClr>
+            </a:gs>
+          </a:gsLst>
+          <a:lin ang="5400000" scaled="0"/>
+        </a:gradFill>
+        <a:gradFill rotWithShape="1">
+          <a:gsLst>
+            <a:gs pos="0">
+              <a:schemeClr val="phClr">
+                <a:satMod val="103000"/>
+                <a:lumMod val="102000"/>
+                <a:tint val="94000"/>
+              </a:schemeClr>
+            </a:gs>
+            <a:gs pos="50000">
+              <a:schemeClr val="phClr">
+                <a:satMod val="110000"/>
+                <a:lumMod val="100000"/>
+                <a:shade val="100000"/>
+              </a:schemeClr>
+            </a:gs>
+            <a:gs pos="100000">
+              <a:schemeClr val="phClr">
+                <a:lumMod val="99000"/>
+                <a:satMod val="120000"/>
+                <a:shade val="78000"/>
+              </a:schemeClr>
+            </a:gs>
+          </a:gsLst>
+          <a:lin ang="5400000" scaled="0"/>
+        </a:gradFill>
+      </a:fillStyleLst>
+      <a:lnStyleLst>
+        <a:ln w="12700" cap="flat" cmpd="sng" algn="ctr">
+          <a:solidFill>
+            <a:schemeClr val="phClr"/>
+          </a:solidFill>
+          <a:prstDash val="solid"/>
+          <a:miter lim="800000"/>
+        </a:ln>
+        <a:ln w="19050" cap="flat" cmpd="sng" algn="ctr">
+          <a:solidFill>
+            <a:schemeClr val="phClr"/>
+          </a:solidFill>
+          <a:prstDash val="solid"/>
+          <a:miter lim="800000"/>
+        </a:ln>
+        <a:ln w="25400" cap="flat" cmpd="sng" algn="ctr">
+          <a:solidFill>
+            <a:schemeClr val="phClr"/>
+          </a:solidFill>
+          <a:prstDash val="solid"/>
+          <a:miter lim="800000"/>
+        </a:ln>
+      </a:lnStyleLst>
+      <a:effectStyleLst>
+        <a:effectStyle>
+          <a:effectLst/>
+        </a:effectStyle>
+        <a:effectStyle>
+          <a:effectLst/>
+        </a:effectStyle>
+        <a:effectStyle>
+          <a:effectLst>
+            <a:outerShdw blurRad="57150" dist="19050" dir="5400000" algn="ctr" rotWithShape="0">
+              <a:srgbClr val="000000">
+                <a:alpha val="63000"/>
+              </a:srgbClr>
+            </a:outerShdw>
+          </a:effectLst>
+        </a:effectStyle>
+      </a:effectStyleLst>
+      <a:bgFillStyleLst>
+        <a:solidFill>
+          <a:schemeClr val="phClr"/>
+        </a:solidFill>
+        <a:solidFill>
+          <a:schemeClr val="phClr">
+            <a:tint val="95000"/>
+            <a:satMod val="170000"/>
+          </a:schemeClr>
+        </a:solidFill>
+        <a:gradFill rotWithShape="1">
+          <a:gsLst>
+            <a:gs pos="0">
+              <a:schemeClr val="phClr">
+                <a:tint val="93000"/>
+                <a:satMod val="150000"/>
+                <a:shade val="98000"/>
+                <a:lumMod val="102000"/>
+              </a:schemeClr>
+            </a:gs>
+            <a:gs pos="50000">
+              <a:schemeClr val="phClr">
+                <a:tint val="98000"/>
+                <a:satMod val="130000"/>
+                <a:shade val="90000"/>
+                <a:lumMod val="103000"/>
+              </a:schemeClr>
+            </a:gs>
+            <a:gs pos="100000">
+              <a:schemeClr val="phClr">
+                <a:shade val="63000"/>
+                <a:satMod val="120000"/>
+              </a:schemeClr>
+            </a:gs>
+          </a:gsLst>
+          <a:lin ang="5400000" scaled="0"/>
+        </a:gradFill>
+      </a:bgFillStyleLst>
+    </a:fmtScheme>
+  </a:themeElements>
+  <a:objectDefaults>
+    <a:lnDef>
+      <a:spPr/>
+      <a:bodyPr/>
+      <a:lstStyle/>
+      <a:style>
+        <a:lnRef idx="2">
+          <a:schemeClr val="accent1"/>
+        </a:lnRef>
+        <a:fillRef idx="0">
+          <a:schemeClr val="accent1"/>
+        </a:fillRef>
+        <a:effectRef idx="1">
+          <a:schemeClr val="accent1"/>
+        </a:effectRef>
+        <a:fontRef idx="minor">
+          <a:schemeClr val="tx1"/>
+        </a:fontRef>
+      </a:style>
+    </a:lnDef>
+  </a:objectDefaults>
+  <a:extraClrSchemeLst/>
+  <a:extLst>
+    <a:ext uri="{05A4C25C-085E-4340-85A3-A5531E510DB2}">
+      <thm15:themeFamily xmlns:thm15="http://schemas.microsoft.com/office/thememl/2012/main" name="Office Theme" id="{2E142A2C-CD16-42D6-873A-C26D2A0506FA}" vid="{1BDDFF52-6CD6-40A5-AB3C-68EB2F1E4D0A}"/>
+    </a:ext>
+  </a:extLst>
+</a:theme>
 </file>
--- a/Phone Marketing Decision Model for Retail Banking.pptx
+++ b/Phone Marketing Decision Model for Retail Banking.pptx
@@ -8644,8 +8644,8 @@
         </p:nvSpPr>
         <p:spPr>
           <a:xfrm>
-            <a:off x="2349722" y="5961277"/>
-            <a:ext cx="13588556" cy="486030"/>
+            <a:off x="2349722" y="5769633"/>
+            <a:ext cx="13588556" cy="998991"/>
           </a:xfrm>
           <a:prstGeom prst="rect">
             <a:avLst/>
@@ -8682,7 +8682,7 @@
                   </a:extLst>
                 </a:hlinkClick>
               </a:rPr>
-              <a:t>https://www.kaggle.com/datasets/henriqueyamahata/bank-marketing</a:t>
+              <a:t>https://github.com/larazefani/Phone-Marketing-Decision-Model-for-Retail-Banking/blob/main/random_forest_tree.pdf</a:t>
             </a:r>
             <a:endParaRPr lang="en-US" sz="2821" spc="-118" dirty="0">
               <a:solidFill>
